--- a/Summary GPS Signal.pptx
+++ b/Summary GPS Signal.pptx
@@ -236,7 +236,7 @@
           <a:p>
             <a:fld id="{21D3BC9C-6C58-464F-B94E-FD73C5FB016E}" type="datetimeFigureOut">
               <a:rPr lang="en-US" smtClean="0"/>
-              <a:t>4/28/2019</a:t>
+              <a:t>4/29/2019</a:t>
             </a:fld>
             <a:endParaRPr lang="en-US" dirty="0"/>
           </a:p>
@@ -650,7 +650,7 @@
           <a:p>
             <a:fld id="{40DA1498-92C7-4E4B-8045-C9195F453964}" type="datetimeFigureOut">
               <a:rPr lang="en-US" smtClean="0"/>
-              <a:t>4/28/2019</a:t>
+              <a:t>4/29/2019</a:t>
             </a:fld>
             <a:endParaRPr lang="en-US" dirty="0"/>
           </a:p>
@@ -848,7 +848,7 @@
           <a:p>
             <a:fld id="{40DA1498-92C7-4E4B-8045-C9195F453964}" type="datetimeFigureOut">
               <a:rPr lang="en-US" smtClean="0"/>
-              <a:t>4/28/2019</a:t>
+              <a:t>4/29/2019</a:t>
             </a:fld>
             <a:endParaRPr lang="en-US" dirty="0"/>
           </a:p>
@@ -1056,7 +1056,7 @@
           <a:p>
             <a:fld id="{40DA1498-92C7-4E4B-8045-C9195F453964}" type="datetimeFigureOut">
               <a:rPr lang="en-US" smtClean="0"/>
-              <a:t>4/28/2019</a:t>
+              <a:t>4/29/2019</a:t>
             </a:fld>
             <a:endParaRPr lang="en-US" dirty="0"/>
           </a:p>
@@ -1254,7 +1254,7 @@
           <a:p>
             <a:fld id="{40DA1498-92C7-4E4B-8045-C9195F453964}" type="datetimeFigureOut">
               <a:rPr lang="en-US" smtClean="0"/>
-              <a:t>4/28/2019</a:t>
+              <a:t>4/29/2019</a:t>
             </a:fld>
             <a:endParaRPr lang="en-US" dirty="0"/>
           </a:p>
@@ -1529,7 +1529,7 @@
           <a:p>
             <a:fld id="{40DA1498-92C7-4E4B-8045-C9195F453964}" type="datetimeFigureOut">
               <a:rPr lang="en-US" smtClean="0"/>
-              <a:t>4/28/2019</a:t>
+              <a:t>4/29/2019</a:t>
             </a:fld>
             <a:endParaRPr lang="en-US" dirty="0"/>
           </a:p>
@@ -1794,7 +1794,7 @@
           <a:p>
             <a:fld id="{40DA1498-92C7-4E4B-8045-C9195F453964}" type="datetimeFigureOut">
               <a:rPr lang="en-US" smtClean="0"/>
-              <a:t>4/28/2019</a:t>
+              <a:t>4/29/2019</a:t>
             </a:fld>
             <a:endParaRPr lang="en-US" dirty="0"/>
           </a:p>
@@ -2206,7 +2206,7 @@
           <a:p>
             <a:fld id="{40DA1498-92C7-4E4B-8045-C9195F453964}" type="datetimeFigureOut">
               <a:rPr lang="en-US" smtClean="0"/>
-              <a:t>4/28/2019</a:t>
+              <a:t>4/29/2019</a:t>
             </a:fld>
             <a:endParaRPr lang="en-US" dirty="0"/>
           </a:p>
@@ -2347,7 +2347,7 @@
           <a:p>
             <a:fld id="{40DA1498-92C7-4E4B-8045-C9195F453964}" type="datetimeFigureOut">
               <a:rPr lang="en-US" smtClean="0"/>
-              <a:t>4/28/2019</a:t>
+              <a:t>4/29/2019</a:t>
             </a:fld>
             <a:endParaRPr lang="en-US" dirty="0"/>
           </a:p>
@@ -2460,7 +2460,7 @@
           <a:p>
             <a:fld id="{40DA1498-92C7-4E4B-8045-C9195F453964}" type="datetimeFigureOut">
               <a:rPr lang="en-US" smtClean="0"/>
-              <a:t>4/28/2019</a:t>
+              <a:t>4/29/2019</a:t>
             </a:fld>
             <a:endParaRPr lang="en-US" dirty="0"/>
           </a:p>
@@ -2771,7 +2771,7 @@
           <a:p>
             <a:fld id="{40DA1498-92C7-4E4B-8045-C9195F453964}" type="datetimeFigureOut">
               <a:rPr lang="en-US" smtClean="0"/>
-              <a:t>4/28/2019</a:t>
+              <a:t>4/29/2019</a:t>
             </a:fld>
             <a:endParaRPr lang="en-US" dirty="0"/>
           </a:p>
@@ -3063,7 +3063,7 @@
           <a:p>
             <a:fld id="{40DA1498-92C7-4E4B-8045-C9195F453964}" type="datetimeFigureOut">
               <a:rPr lang="en-US" smtClean="0"/>
-              <a:t>4/28/2019</a:t>
+              <a:t>4/29/2019</a:t>
             </a:fld>
             <a:endParaRPr lang="en-US" dirty="0"/>
           </a:p>
@@ -3304,7 +3304,7 @@
           <a:p>
             <a:fld id="{40DA1498-92C7-4E4B-8045-C9195F453964}" type="datetimeFigureOut">
               <a:rPr lang="en-US" smtClean="0"/>
-              <a:t>4/28/2019</a:t>
+              <a:t>4/29/2019</a:t>
             </a:fld>
             <a:endParaRPr lang="en-US" dirty="0"/>
           </a:p>
@@ -4816,7 +4816,7 @@
         </p:nvSpPr>
         <p:spPr>
           <a:xfrm>
-            <a:off x="838200" y="1444978"/>
+            <a:off x="864833" y="1444978"/>
             <a:ext cx="10515600" cy="4731985"/>
           </a:xfrm>
         </p:spPr>
@@ -4869,7 +4869,7 @@
         </p:nvSpPr>
         <p:spPr>
           <a:xfrm>
-            <a:off x="228600" y="393700"/>
+            <a:off x="255233" y="393700"/>
             <a:ext cx="11734800" cy="387798"/>
           </a:xfrm>
           <a:prstGeom prst="rect">
@@ -4945,7 +4945,7 @@
         </p:blipFill>
         <p:spPr>
           <a:xfrm>
-            <a:off x="776288" y="767473"/>
+            <a:off x="802921" y="767473"/>
             <a:ext cx="5381140" cy="2953083"/>
           </a:xfrm>
           <a:prstGeom prst="rect">
@@ -4975,7 +4975,7 @@
         </p:blipFill>
         <p:spPr>
           <a:xfrm>
-            <a:off x="6255786" y="3720556"/>
+            <a:off x="6282419" y="3720556"/>
             <a:ext cx="5391150" cy="3071813"/>
           </a:xfrm>
           <a:prstGeom prst="rect">
@@ -5005,7 +5005,7 @@
         </p:blipFill>
         <p:spPr>
           <a:xfrm>
-            <a:off x="762000" y="3720816"/>
+            <a:off x="788633" y="3720816"/>
             <a:ext cx="5286375" cy="3052763"/>
           </a:xfrm>
           <a:prstGeom prst="rect">
@@ -5035,7 +5035,7 @@
         </p:blipFill>
         <p:spPr>
           <a:xfrm>
-            <a:off x="6298648" y="791545"/>
+            <a:off x="6325281" y="791545"/>
             <a:ext cx="5305425" cy="3019425"/>
           </a:xfrm>
           <a:prstGeom prst="rect">
@@ -5062,7 +5062,7 @@
         </p:nvCxnSpPr>
         <p:spPr>
           <a:xfrm>
-            <a:off x="8105775" y="522898"/>
+            <a:off x="8132408" y="522898"/>
             <a:ext cx="4086225" cy="0"/>
           </a:xfrm>
           <a:prstGeom prst="line">
@@ -5111,7 +5111,7 @@
         </p:nvCxnSpPr>
         <p:spPr>
           <a:xfrm>
-            <a:off x="0" y="522898"/>
+            <a:off x="26633" y="522898"/>
             <a:ext cx="4086225" cy="0"/>
           </a:xfrm>
           <a:prstGeom prst="line">
@@ -5141,6 +5141,162 @@
           </a:fontRef>
         </p:style>
       </p:cxnSp>
+      <p:sp>
+        <p:nvSpPr>
+          <p:cNvPr id="8" name="TextBox 7">
+            <a:extLst>
+              <a:ext uri="{FF2B5EF4-FFF2-40B4-BE49-F238E27FC236}">
+                <a16:creationId xmlns:a16="http://schemas.microsoft.com/office/drawing/2014/main" id="{8AAAF5AA-5C23-41F6-B9E6-03C5080632B6}"/>
+              </a:ext>
+            </a:extLst>
+          </p:cNvPr>
+          <p:cNvSpPr txBox="1"/>
+          <p:nvPr/>
+        </p:nvSpPr>
+        <p:spPr>
+          <a:xfrm>
+            <a:off x="4821290" y="1044868"/>
+            <a:ext cx="1301343" cy="400110"/>
+          </a:xfrm>
+          <a:prstGeom prst="rect">
+            <a:avLst/>
+          </a:prstGeom>
+          <a:noFill/>
+        </p:spPr>
+        <p:txBody>
+          <a:bodyPr wrap="square" rtlCol="0">
+            <a:spAutoFit/>
+          </a:bodyPr>
+          <a:lstStyle/>
+          <a:p>
+            <a:r>
+              <a:rPr lang="en-US" dirty="0"/>
+              <a:t> </a:t>
+            </a:r>
+            <a:r>
+              <a:rPr lang="en-US" sz="2000" b="1" dirty="0"/>
+              <a:t>&gt; 70dbm</a:t>
+            </a:r>
+          </a:p>
+        </p:txBody>
+      </p:sp>
+      <p:sp>
+        <p:nvSpPr>
+          <p:cNvPr id="13" name="TextBox 12">
+            <a:extLst>
+              <a:ext uri="{FF2B5EF4-FFF2-40B4-BE49-F238E27FC236}">
+                <a16:creationId xmlns:a16="http://schemas.microsoft.com/office/drawing/2014/main" id="{CF87B4E4-0C73-46B8-A793-ACACBB565FB1}"/>
+              </a:ext>
+            </a:extLst>
+          </p:cNvPr>
+          <p:cNvSpPr txBox="1"/>
+          <p:nvPr/>
+        </p:nvSpPr>
+        <p:spPr>
+          <a:xfrm>
+            <a:off x="4643021" y="3973879"/>
+            <a:ext cx="1541040" cy="400110"/>
+          </a:xfrm>
+          <a:prstGeom prst="rect">
+            <a:avLst/>
+          </a:prstGeom>
+          <a:noFill/>
+        </p:spPr>
+        <p:txBody>
+          <a:bodyPr wrap="square" rtlCol="0">
+            <a:spAutoFit/>
+          </a:bodyPr>
+          <a:lstStyle/>
+          <a:p>
+            <a:r>
+              <a:rPr lang="en-US" dirty="0"/>
+              <a:t> </a:t>
+            </a:r>
+            <a:r>
+              <a:rPr lang="en-US" sz="2000" b="1" dirty="0"/>
+              <a:t>&lt; -110dbm</a:t>
+            </a:r>
+          </a:p>
+        </p:txBody>
+      </p:sp>
+      <p:sp>
+        <p:nvSpPr>
+          <p:cNvPr id="14" name="TextBox 13">
+            <a:extLst>
+              <a:ext uri="{FF2B5EF4-FFF2-40B4-BE49-F238E27FC236}">
+                <a16:creationId xmlns:a16="http://schemas.microsoft.com/office/drawing/2014/main" id="{3180319C-96C3-43AC-99FE-83B4BAC569BC}"/>
+              </a:ext>
+            </a:extLst>
+          </p:cNvPr>
+          <p:cNvSpPr txBox="1"/>
+          <p:nvPr/>
+        </p:nvSpPr>
+        <p:spPr>
+          <a:xfrm>
+            <a:off x="10350794" y="4000774"/>
+            <a:ext cx="1301343" cy="400110"/>
+          </a:xfrm>
+          <a:prstGeom prst="rect">
+            <a:avLst/>
+          </a:prstGeom>
+          <a:noFill/>
+        </p:spPr>
+        <p:txBody>
+          <a:bodyPr wrap="square" rtlCol="0">
+            <a:spAutoFit/>
+          </a:bodyPr>
+          <a:lstStyle/>
+          <a:p>
+            <a:r>
+              <a:rPr lang="en-US" dirty="0"/>
+              <a:t> </a:t>
+            </a:r>
+            <a:r>
+              <a:rPr lang="en-US" sz="2000" b="1" dirty="0"/>
+              <a:t>&lt; -5dbm</a:t>
+            </a:r>
+          </a:p>
+        </p:txBody>
+      </p:sp>
+      <p:sp>
+        <p:nvSpPr>
+          <p:cNvPr id="15" name="TextBox 14">
+            <a:extLst>
+              <a:ext uri="{FF2B5EF4-FFF2-40B4-BE49-F238E27FC236}">
+                <a16:creationId xmlns:a16="http://schemas.microsoft.com/office/drawing/2014/main" id="{A9FC9D08-0007-4C1B-8194-D667828EC6AD}"/>
+              </a:ext>
+            </a:extLst>
+          </p:cNvPr>
+          <p:cNvSpPr txBox="1"/>
+          <p:nvPr/>
+        </p:nvSpPr>
+        <p:spPr>
+          <a:xfrm>
+            <a:off x="10350794" y="1061716"/>
+            <a:ext cx="1301343" cy="400110"/>
+          </a:xfrm>
+          <a:prstGeom prst="rect">
+            <a:avLst/>
+          </a:prstGeom>
+          <a:noFill/>
+        </p:spPr>
+        <p:txBody>
+          <a:bodyPr wrap="square" rtlCol="0">
+            <a:spAutoFit/>
+          </a:bodyPr>
+          <a:lstStyle/>
+          <a:p>
+            <a:r>
+              <a:rPr lang="en-US" dirty="0"/>
+              <a:t> </a:t>
+            </a:r>
+            <a:r>
+              <a:rPr lang="en-US" sz="2000" b="1" dirty="0"/>
+              <a:t>&gt; 25dbm</a:t>
+            </a:r>
+          </a:p>
+        </p:txBody>
+      </p:sp>
     </p:spTree>
     <p:extLst>
       <p:ext uri="{BB962C8B-B14F-4D97-AF65-F5344CB8AC3E}">

--- a/Summary GPS Signal.pptx
+++ b/Summary GPS Signal.pptx
@@ -236,7 +236,7 @@
           <a:p>
             <a:fld id="{21D3BC9C-6C58-464F-B94E-FD73C5FB016E}" type="datetimeFigureOut">
               <a:rPr lang="en-US" smtClean="0"/>
-              <a:t>4/29/2019</a:t>
+              <a:t>5/6/2019</a:t>
             </a:fld>
             <a:endParaRPr lang="en-US" dirty="0"/>
           </a:p>
@@ -650,7 +650,7 @@
           <a:p>
             <a:fld id="{40DA1498-92C7-4E4B-8045-C9195F453964}" type="datetimeFigureOut">
               <a:rPr lang="en-US" smtClean="0"/>
-              <a:t>4/29/2019</a:t>
+              <a:t>5/6/2019</a:t>
             </a:fld>
             <a:endParaRPr lang="en-US" dirty="0"/>
           </a:p>
@@ -848,7 +848,7 @@
           <a:p>
             <a:fld id="{40DA1498-92C7-4E4B-8045-C9195F453964}" type="datetimeFigureOut">
               <a:rPr lang="en-US" smtClean="0"/>
-              <a:t>4/29/2019</a:t>
+              <a:t>5/6/2019</a:t>
             </a:fld>
             <a:endParaRPr lang="en-US" dirty="0"/>
           </a:p>
@@ -1056,7 +1056,7 @@
           <a:p>
             <a:fld id="{40DA1498-92C7-4E4B-8045-C9195F453964}" type="datetimeFigureOut">
               <a:rPr lang="en-US" smtClean="0"/>
-              <a:t>4/29/2019</a:t>
+              <a:t>5/6/2019</a:t>
             </a:fld>
             <a:endParaRPr lang="en-US" dirty="0"/>
           </a:p>
@@ -1254,7 +1254,7 @@
           <a:p>
             <a:fld id="{40DA1498-92C7-4E4B-8045-C9195F453964}" type="datetimeFigureOut">
               <a:rPr lang="en-US" smtClean="0"/>
-              <a:t>4/29/2019</a:t>
+              <a:t>5/6/2019</a:t>
             </a:fld>
             <a:endParaRPr lang="en-US" dirty="0"/>
           </a:p>
@@ -1529,7 +1529,7 @@
           <a:p>
             <a:fld id="{40DA1498-92C7-4E4B-8045-C9195F453964}" type="datetimeFigureOut">
               <a:rPr lang="en-US" smtClean="0"/>
-              <a:t>4/29/2019</a:t>
+              <a:t>5/6/2019</a:t>
             </a:fld>
             <a:endParaRPr lang="en-US" dirty="0"/>
           </a:p>
@@ -1794,7 +1794,7 @@
           <a:p>
             <a:fld id="{40DA1498-92C7-4E4B-8045-C9195F453964}" type="datetimeFigureOut">
               <a:rPr lang="en-US" smtClean="0"/>
-              <a:t>4/29/2019</a:t>
+              <a:t>5/6/2019</a:t>
             </a:fld>
             <a:endParaRPr lang="en-US" dirty="0"/>
           </a:p>
@@ -2206,7 +2206,7 @@
           <a:p>
             <a:fld id="{40DA1498-92C7-4E4B-8045-C9195F453964}" type="datetimeFigureOut">
               <a:rPr lang="en-US" smtClean="0"/>
-              <a:t>4/29/2019</a:t>
+              <a:t>5/6/2019</a:t>
             </a:fld>
             <a:endParaRPr lang="en-US" dirty="0"/>
           </a:p>
@@ -2347,7 +2347,7 @@
           <a:p>
             <a:fld id="{40DA1498-92C7-4E4B-8045-C9195F453964}" type="datetimeFigureOut">
               <a:rPr lang="en-US" smtClean="0"/>
-              <a:t>4/29/2019</a:t>
+              <a:t>5/6/2019</a:t>
             </a:fld>
             <a:endParaRPr lang="en-US" dirty="0"/>
           </a:p>
@@ -2460,7 +2460,7 @@
           <a:p>
             <a:fld id="{40DA1498-92C7-4E4B-8045-C9195F453964}" type="datetimeFigureOut">
               <a:rPr lang="en-US" smtClean="0"/>
-              <a:t>4/29/2019</a:t>
+              <a:t>5/6/2019</a:t>
             </a:fld>
             <a:endParaRPr lang="en-US" dirty="0"/>
           </a:p>
@@ -2771,7 +2771,7 @@
           <a:p>
             <a:fld id="{40DA1498-92C7-4E4B-8045-C9195F453964}" type="datetimeFigureOut">
               <a:rPr lang="en-US" smtClean="0"/>
-              <a:t>4/29/2019</a:t>
+              <a:t>5/6/2019</a:t>
             </a:fld>
             <a:endParaRPr lang="en-US" dirty="0"/>
           </a:p>
@@ -3063,7 +3063,7 @@
           <a:p>
             <a:fld id="{40DA1498-92C7-4E4B-8045-C9195F453964}" type="datetimeFigureOut">
               <a:rPr lang="en-US" smtClean="0"/>
-              <a:t>4/29/2019</a:t>
+              <a:t>5/6/2019</a:t>
             </a:fld>
             <a:endParaRPr lang="en-US" dirty="0"/>
           </a:p>
@@ -3304,7 +3304,7 @@
           <a:p>
             <a:fld id="{40DA1498-92C7-4E4B-8045-C9195F453964}" type="datetimeFigureOut">
               <a:rPr lang="en-US" smtClean="0"/>
-              <a:t>4/29/2019</a:t>
+              <a:t>5/6/2019</a:t>
             </a:fld>
             <a:endParaRPr lang="en-US" dirty="0"/>
           </a:p>
@@ -3775,12 +3775,20 @@
               <a:t>GPS Signal Analysis </a:t>
             </a:r>
             <a:r>
+              <a:rPr lang="en-US" sz="3600" dirty="0" err="1">
+                <a:solidFill>
+                  <a:schemeClr val="accent4"/>
+                </a:solidFill>
+              </a:rPr>
+              <a:t>PhnTmAuto</a:t>
+            </a:r>
+            <a:r>
               <a:rPr lang="en-US" sz="3600" dirty="0">
                 <a:solidFill>
                   <a:schemeClr val="accent4"/>
                 </a:solidFill>
               </a:rPr>
-              <a:t>Phantom Auto Assignment</a:t>
+              <a:t> Assignment</a:t>
             </a:r>
             <a:br>
               <a:rPr lang="en-US" sz="4000" dirty="0">
